--- a/images/theory_analysis/AWS_EFS/AWS_EFS.pptx
+++ b/images/theory_analysis/AWS_EFS/AWS_EFS.pptx
@@ -3406,7 +3406,7 @@
         </p:nvSpPr>
         <p:spPr>
           <a:xfrm>
-            <a:off x="457200" y="-20538"/>
+            <a:off x="457200" y="-718544"/>
             <a:ext cx="8229600" cy="720080"/>
           </a:xfrm>
         </p:spPr>
@@ -3438,7 +3438,7 @@
         </p:nvSpPr>
         <p:spPr>
           <a:xfrm>
-            <a:off x="539552" y="1369552"/>
+            <a:off x="539552" y="751620"/>
             <a:ext cx="7488832" cy="512430"/>
           </a:xfrm>
           <a:prstGeom prst="roundRect">
@@ -3489,7 +3489,7 @@
         </p:nvSpPr>
         <p:spPr>
           <a:xfrm>
-            <a:off x="539552" y="2397422"/>
+            <a:off x="539552" y="1779490"/>
             <a:ext cx="7488832" cy="512430"/>
           </a:xfrm>
           <a:prstGeom prst="roundRect">
@@ -3540,7 +3540,7 @@
         </p:nvSpPr>
         <p:spPr>
           <a:xfrm>
-            <a:off x="539552" y="3420690"/>
+            <a:off x="539552" y="2802758"/>
             <a:ext cx="7488832" cy="512430"/>
           </a:xfrm>
           <a:prstGeom prst="roundRect">
@@ -3591,7 +3591,7 @@
         </p:nvSpPr>
         <p:spPr>
           <a:xfrm>
-            <a:off x="2062974" y="1443408"/>
+            <a:off x="2062974" y="825476"/>
             <a:ext cx="1224136" cy="363838"/>
           </a:xfrm>
           <a:prstGeom prst="roundRect">
@@ -3641,7 +3641,7 @@
         </p:nvSpPr>
         <p:spPr>
           <a:xfrm>
-            <a:off x="2062974" y="2471718"/>
+            <a:off x="2062974" y="1853786"/>
             <a:ext cx="1224136" cy="363838"/>
           </a:xfrm>
           <a:prstGeom prst="roundRect">
@@ -3691,7 +3691,7 @@
         </p:nvSpPr>
         <p:spPr>
           <a:xfrm>
-            <a:off x="2062974" y="3494986"/>
+            <a:off x="2062974" y="2877054"/>
             <a:ext cx="1224136" cy="363838"/>
           </a:xfrm>
           <a:prstGeom prst="roundRect">
@@ -3741,7 +3741,7 @@
         </p:nvSpPr>
         <p:spPr>
           <a:xfrm>
-            <a:off x="3515152" y="1443408"/>
+            <a:off x="3515152" y="825476"/>
             <a:ext cx="1224136" cy="363838"/>
           </a:xfrm>
           <a:prstGeom prst="roundRect">
@@ -3791,7 +3791,7 @@
         </p:nvSpPr>
         <p:spPr>
           <a:xfrm>
-            <a:off x="3515152" y="2471718"/>
+            <a:off x="3515152" y="1853786"/>
             <a:ext cx="1224136" cy="363838"/>
           </a:xfrm>
           <a:prstGeom prst="roundRect">
@@ -3841,7 +3841,7 @@
         </p:nvSpPr>
         <p:spPr>
           <a:xfrm>
-            <a:off x="3515152" y="3494986"/>
+            <a:off x="3515152" y="2877054"/>
             <a:ext cx="1224136" cy="363838"/>
           </a:xfrm>
           <a:prstGeom prst="roundRect">
@@ -3891,7 +3891,7 @@
         </p:nvSpPr>
         <p:spPr>
           <a:xfrm>
-            <a:off x="1911350" y="1131590"/>
+            <a:off x="1911350" y="513658"/>
             <a:ext cx="4172818" cy="3528392"/>
           </a:xfrm>
           <a:prstGeom prst="roundRect">
@@ -3944,7 +3944,7 @@
         </p:nvSpPr>
         <p:spPr>
           <a:xfrm>
-            <a:off x="6455906" y="1131590"/>
+            <a:off x="6455906" y="513658"/>
             <a:ext cx="1512168" cy="3096344"/>
           </a:xfrm>
           <a:prstGeom prst="roundRect">
@@ -3997,7 +3997,7 @@
         </p:nvSpPr>
         <p:spPr>
           <a:xfrm>
-            <a:off x="6599922" y="1443408"/>
+            <a:off x="6599922" y="825476"/>
             <a:ext cx="1224136" cy="363838"/>
           </a:xfrm>
           <a:prstGeom prst="roundRect">
@@ -4028,7 +4028,7 @@
             <a:pPr algn="ctr"/>
             <a:r>
               <a:rPr lang="en-US" altLang="ko-KR" sz="1100"/>
-              <a:t>EFS Storage</a:t>
+              <a:t>EFS Meta, Data</a:t>
             </a:r>
           </a:p>
         </p:txBody>
@@ -4047,7 +4047,7 @@
         </p:nvSpPr>
         <p:spPr>
           <a:xfrm>
-            <a:off x="6599922" y="2467734"/>
+            <a:off x="6599922" y="1849802"/>
             <a:ext cx="1224136" cy="363838"/>
           </a:xfrm>
           <a:prstGeom prst="roundRect">
@@ -4078,7 +4078,7 @@
             <a:pPr algn="ctr"/>
             <a:r>
               <a:rPr lang="en-US" altLang="ko-KR" sz="1100"/>
-              <a:t>EFS Storage</a:t>
+              <a:t>EFS Meta, Data</a:t>
             </a:r>
           </a:p>
         </p:txBody>
@@ -4097,7 +4097,7 @@
         </p:nvSpPr>
         <p:spPr>
           <a:xfrm>
-            <a:off x="6599922" y="3494986"/>
+            <a:off x="6599922" y="2877054"/>
             <a:ext cx="1224136" cy="363838"/>
           </a:xfrm>
           <a:prstGeom prst="roundRect">
@@ -4128,7 +4128,7 @@
             <a:pPr algn="ctr"/>
             <a:r>
               <a:rPr lang="en-US" altLang="ko-KR" sz="1100"/>
-              <a:t>EFS Storage</a:t>
+              <a:t>EFS Meta, Data</a:t>
             </a:r>
           </a:p>
         </p:txBody>
@@ -4147,7 +4147,7 @@
         </p:nvSpPr>
         <p:spPr>
           <a:xfrm>
-            <a:off x="5134741" y="1443408"/>
+            <a:off x="5134741" y="825476"/>
             <a:ext cx="650143" cy="363838"/>
           </a:xfrm>
           <a:prstGeom prst="roundRect">
@@ -4197,7 +4197,7 @@
         </p:nvSpPr>
         <p:spPr>
           <a:xfrm>
-            <a:off x="5135419" y="2467438"/>
+            <a:off x="5135419" y="1849506"/>
             <a:ext cx="650143" cy="363838"/>
           </a:xfrm>
           <a:prstGeom prst="roundRect">
@@ -4247,7 +4247,7 @@
         </p:nvSpPr>
         <p:spPr>
           <a:xfrm>
-            <a:off x="5135419" y="3494986"/>
+            <a:off x="5135419" y="2877054"/>
             <a:ext cx="650143" cy="363838"/>
           </a:xfrm>
           <a:prstGeom prst="roundRect">
@@ -4301,7 +4301,7 @@
         </p:nvCxnSpPr>
         <p:spPr>
           <a:xfrm rot="5400000" flipH="1" flipV="1">
-            <a:off x="4067427" y="51023"/>
+            <a:off x="4067427" y="-566909"/>
             <a:ext cx="12700" cy="2784771"/>
           </a:xfrm>
           <a:prstGeom prst="bentConnector3">
@@ -4350,7 +4350,7 @@
         </p:nvCxnSpPr>
         <p:spPr>
           <a:xfrm rot="5400000" flipH="1" flipV="1">
-            <a:off x="4793516" y="777112"/>
+            <a:off x="4793516" y="159180"/>
             <a:ext cx="12700" cy="1332593"/>
           </a:xfrm>
           <a:prstGeom prst="bentConnector3">
@@ -4399,7 +4399,7 @@
         </p:nvCxnSpPr>
         <p:spPr>
           <a:xfrm rot="5400000" flipH="1" flipV="1">
-            <a:off x="4065626" y="1076854"/>
+            <a:off x="4065626" y="458922"/>
             <a:ext cx="4280" cy="2785449"/>
           </a:xfrm>
           <a:prstGeom prst="bentConnector3">
@@ -4448,7 +4448,7 @@
         </p:nvCxnSpPr>
         <p:spPr>
           <a:xfrm rot="5400000" flipH="1" flipV="1">
-            <a:off x="4791715" y="1802943"/>
+            <a:off x="4791715" y="1185011"/>
             <a:ext cx="4280" cy="1333271"/>
           </a:xfrm>
           <a:prstGeom prst="bentConnector3">
@@ -4497,7 +4497,7 @@
         </p:nvCxnSpPr>
         <p:spPr>
           <a:xfrm rot="5400000" flipH="1" flipV="1">
-            <a:off x="4067766" y="2102262"/>
+            <a:off x="4067766" y="1484330"/>
             <a:ext cx="12700" cy="2785449"/>
           </a:xfrm>
           <a:prstGeom prst="bentConnector3">
@@ -4546,7 +4546,7 @@
         </p:nvCxnSpPr>
         <p:spPr>
           <a:xfrm rot="5400000" flipH="1" flipV="1">
-            <a:off x="4793855" y="2828351"/>
+            <a:off x="4793855" y="2210419"/>
             <a:ext cx="12700" cy="1333271"/>
           </a:xfrm>
           <a:prstGeom prst="bentConnector3">
@@ -4595,7 +4595,7 @@
         </p:nvCxnSpPr>
         <p:spPr>
           <a:xfrm>
-            <a:off x="5784884" y="1625327"/>
+            <a:off x="5784884" y="1007395"/>
             <a:ext cx="815038" cy="0"/>
           </a:xfrm>
           <a:prstGeom prst="straightConnector1">
@@ -4642,7 +4642,7 @@
         </p:nvCxnSpPr>
         <p:spPr>
           <a:xfrm>
-            <a:off x="5785562" y="2649357"/>
+            <a:off x="5785562" y="2031425"/>
             <a:ext cx="814360" cy="296"/>
           </a:xfrm>
           <a:prstGeom prst="straightConnector1">
@@ -4689,7 +4689,7 @@
         </p:nvCxnSpPr>
         <p:spPr>
           <a:xfrm>
-            <a:off x="5785562" y="3676905"/>
+            <a:off x="5785562" y="3058973"/>
             <a:ext cx="814360" cy="0"/>
           </a:xfrm>
           <a:prstGeom prst="straightConnector1">
@@ -4732,7 +4732,7 @@
         </p:nvSpPr>
         <p:spPr>
           <a:xfrm>
-            <a:off x="4872052" y="1296367"/>
+            <a:off x="4872052" y="678435"/>
             <a:ext cx="1140108" cy="3084086"/>
           </a:xfrm>
           <a:prstGeom prst="roundRect">
@@ -4792,7 +4792,7 @@
         </p:nvSpPr>
         <p:spPr>
           <a:xfrm>
-            <a:off x="1988156" y="1296367"/>
+            <a:off x="1988156" y="678435"/>
             <a:ext cx="2811888" cy="3084086"/>
           </a:xfrm>
           <a:prstGeom prst="roundRect">
@@ -4856,7 +4856,7 @@
         </p:nvCxnSpPr>
         <p:spPr>
           <a:xfrm>
-            <a:off x="7211990" y="1807246"/>
+            <a:off x="7211990" y="1189314"/>
             <a:ext cx="0" cy="660488"/>
           </a:xfrm>
           <a:prstGeom prst="straightConnector1">
@@ -4902,7 +4902,7 @@
         </p:nvCxnSpPr>
         <p:spPr>
           <a:xfrm>
-            <a:off x="7211990" y="2831276"/>
+            <a:off x="7211990" y="2213344"/>
             <a:ext cx="0" cy="663710"/>
           </a:xfrm>
           <a:prstGeom prst="straightConnector1">
@@ -4945,7 +4945,7 @@
         </p:nvSpPr>
         <p:spPr>
           <a:xfrm>
-            <a:off x="7057410" y="1951151"/>
+            <a:off x="7057410" y="1333219"/>
             <a:ext cx="987915" cy="369332"/>
           </a:xfrm>
           <a:prstGeom prst="rect">
@@ -4990,7 +4990,7 @@
         </p:nvSpPr>
         <p:spPr>
           <a:xfrm>
-            <a:off x="7057410" y="2972568"/>
+            <a:off x="7057410" y="2354636"/>
             <a:ext cx="987915" cy="369332"/>
           </a:xfrm>
           <a:prstGeom prst="rect">
@@ -5023,37 +5023,86 @@
       </p:sp>
       <p:sp>
         <p:nvSpPr>
-          <p:cNvPr id="78" name="TextBox 77">
-            <a:extLst>
-              <a:ext uri="{FF2B5EF4-FFF2-40B4-BE49-F238E27FC236}">
-                <a16:creationId xmlns:a16="http://schemas.microsoft.com/office/drawing/2014/main" id="{22120A14-61B0-84C3-5055-9F7E55B4684F}"/>
-              </a:ext>
-            </a:extLst>
-          </p:cNvPr>
-          <p:cNvSpPr txBox="1"/>
-          <p:nvPr/>
-        </p:nvSpPr>
-        <p:spPr>
-          <a:xfrm>
-            <a:off x="6156176" y="4227934"/>
-            <a:ext cx="2061008" cy="400110"/>
-          </a:xfrm>
-          <a:prstGeom prst="rect">
-            <a:avLst/>
-          </a:prstGeom>
-          <a:noFill/>
-        </p:spPr>
-        <p:txBody>
-          <a:bodyPr wrap="square" rtlCol="0" anchor="ctr">
-            <a:spAutoFit/>
-          </a:bodyPr>
-          <a:lstStyle/>
-          <a:p>
-            <a:r>
-              <a:rPr lang="en-US" altLang="ko-KR" sz="1000" b="1"/>
-              <a:t>Mount Point -  xxx.efs.region.amazonaws.com</a:t>
-            </a:r>
-            <a:endParaRPr lang="ko-KR" altLang="en-US" sz="1000" b="1"/>
+          <p:cNvPr id="79" name="사각형: 둥근 모서리 148">
+            <a:extLst>
+              <a:ext uri="{FF2B5EF4-FFF2-40B4-BE49-F238E27FC236}">
+                <a16:creationId xmlns:a16="http://schemas.microsoft.com/office/drawing/2014/main" id="{CD7561DA-FCFB-F2D6-21DB-C896166B3155}"/>
+              </a:ext>
+            </a:extLst>
+          </p:cNvPr>
+          <p:cNvSpPr/>
+          <p:nvPr/>
+        </p:nvSpPr>
+        <p:spPr>
+          <a:xfrm>
+            <a:off x="6455906" y="3762521"/>
+            <a:ext cx="2170477" cy="976445"/>
+          </a:xfrm>
+          <a:prstGeom prst="roundRect">
+            <a:avLst>
+              <a:gd name="adj" fmla="val 10674"/>
+            </a:avLst>
+          </a:prstGeom>
+          <a:ln w="19050"/>
+        </p:spPr>
+        <p:style>
+          <a:lnRef idx="2">
+            <a:schemeClr val="dk1"/>
+          </a:lnRef>
+          <a:fillRef idx="1">
+            <a:schemeClr val="lt1"/>
+          </a:fillRef>
+          <a:effectRef idx="0">
+            <a:schemeClr val="dk1"/>
+          </a:effectRef>
+          <a:fontRef idx="minor">
+            <a:schemeClr val="dk1"/>
+          </a:fontRef>
+        </p:style>
+        <p:txBody>
+          <a:bodyPr rtlCol="0" anchor="ctr"/>
+          <a:lstStyle/>
+          <a:p>
+            <a:pPr algn="ctr"/>
+            <a:r>
+              <a:rPr lang="en-US" altLang="ko-KR" sz="1100" b="1"/>
+              <a:t>Route 53</a:t>
+            </a:r>
+          </a:p>
+          <a:p>
+            <a:pPr algn="ctr"/>
+            <a:r>
+              <a:rPr lang="en-US" altLang="ko-KR" sz="1100"/>
+              <a:t>xxx.efs.region.amazonaws.com </a:t>
+            </a:r>
+          </a:p>
+          <a:p>
+            <a:pPr algn="ctr"/>
+            <a:r>
+              <a:rPr lang="en-US" altLang="ko-KR" sz="1100">
+                <a:sym typeface="Wingdings" panose="05000000000000000000" pitchFamily="2" charset="2"/>
+              </a:rPr>
+              <a:t>AZ A  ENI A</a:t>
+            </a:r>
+          </a:p>
+          <a:p>
+            <a:pPr algn="ctr"/>
+            <a:r>
+              <a:rPr lang="en-US" altLang="ko-KR" sz="1100">
+                <a:sym typeface="Wingdings" panose="05000000000000000000" pitchFamily="2" charset="2"/>
+              </a:rPr>
+              <a:t>AZ B  ENI B</a:t>
+            </a:r>
+          </a:p>
+          <a:p>
+            <a:pPr algn="ctr"/>
+            <a:r>
+              <a:rPr lang="en-US" altLang="ko-KR" sz="1100">
+                <a:sym typeface="Wingdings" panose="05000000000000000000" pitchFamily="2" charset="2"/>
+              </a:rPr>
+              <a:t>AZ C  ENI C</a:t>
+            </a:r>
+            <a:endParaRPr lang="en-US" altLang="ko-KR" sz="1100"/>
           </a:p>
         </p:txBody>
       </p:sp>
@@ -5099,7 +5148,7 @@
         </p:nvSpPr>
         <p:spPr>
           <a:xfrm>
-            <a:off x="457200" y="-20538"/>
+            <a:off x="457200" y="-880501"/>
             <a:ext cx="8229600" cy="720080"/>
           </a:xfrm>
         </p:spPr>
@@ -5131,7 +5180,7 @@
         </p:nvSpPr>
         <p:spPr>
           <a:xfrm>
-            <a:off x="539552" y="1369552"/>
+            <a:off x="539552" y="618483"/>
             <a:ext cx="7488832" cy="512430"/>
           </a:xfrm>
           <a:prstGeom prst="roundRect">
@@ -5182,7 +5231,7 @@
         </p:nvSpPr>
         <p:spPr>
           <a:xfrm>
-            <a:off x="539552" y="2397422"/>
+            <a:off x="539552" y="1646353"/>
             <a:ext cx="7488832" cy="512430"/>
           </a:xfrm>
           <a:prstGeom prst="roundRect">
@@ -5233,7 +5282,7 @@
         </p:nvSpPr>
         <p:spPr>
           <a:xfrm>
-            <a:off x="539552" y="3420690"/>
+            <a:off x="539552" y="2669621"/>
             <a:ext cx="7488832" cy="512430"/>
           </a:xfrm>
           <a:prstGeom prst="roundRect">
@@ -5284,7 +5333,7 @@
         </p:nvSpPr>
         <p:spPr>
           <a:xfrm>
-            <a:off x="2062974" y="1443408"/>
+            <a:off x="2062974" y="692339"/>
             <a:ext cx="1224136" cy="363838"/>
           </a:xfrm>
           <a:prstGeom prst="roundRect">
@@ -5334,7 +5383,7 @@
         </p:nvSpPr>
         <p:spPr>
           <a:xfrm>
-            <a:off x="2062974" y="2471718"/>
+            <a:off x="2062974" y="1720649"/>
             <a:ext cx="1224136" cy="363838"/>
           </a:xfrm>
           <a:prstGeom prst="roundRect">
@@ -5384,7 +5433,7 @@
         </p:nvSpPr>
         <p:spPr>
           <a:xfrm>
-            <a:off x="2062974" y="3494986"/>
+            <a:off x="2062974" y="2743917"/>
             <a:ext cx="1224136" cy="363838"/>
           </a:xfrm>
           <a:prstGeom prst="roundRect">
@@ -5434,7 +5483,7 @@
         </p:nvSpPr>
         <p:spPr>
           <a:xfrm>
-            <a:off x="3515152" y="1443408"/>
+            <a:off x="3515152" y="692339"/>
             <a:ext cx="1224136" cy="363838"/>
           </a:xfrm>
           <a:prstGeom prst="roundRect">
@@ -5484,7 +5533,7 @@
         </p:nvSpPr>
         <p:spPr>
           <a:xfrm>
-            <a:off x="3515152" y="2471718"/>
+            <a:off x="3515152" y="1720649"/>
             <a:ext cx="1224136" cy="363838"/>
           </a:xfrm>
           <a:prstGeom prst="roundRect">
@@ -5534,7 +5583,7 @@
         </p:nvSpPr>
         <p:spPr>
           <a:xfrm>
-            <a:off x="3515152" y="3494986"/>
+            <a:off x="3515152" y="2743917"/>
             <a:ext cx="1224136" cy="363838"/>
           </a:xfrm>
           <a:prstGeom prst="roundRect">
@@ -5584,7 +5633,7 @@
         </p:nvSpPr>
         <p:spPr>
           <a:xfrm>
-            <a:off x="1911350" y="1131590"/>
+            <a:off x="1911350" y="380521"/>
             <a:ext cx="4172818" cy="3528392"/>
           </a:xfrm>
           <a:prstGeom prst="roundRect">
@@ -5637,7 +5686,7 @@
         </p:nvSpPr>
         <p:spPr>
           <a:xfrm>
-            <a:off x="6455906" y="1131590"/>
+            <a:off x="6455906" y="380521"/>
             <a:ext cx="1512168" cy="3096344"/>
           </a:xfrm>
           <a:prstGeom prst="roundRect">
@@ -5690,7 +5739,7 @@
         </p:nvSpPr>
         <p:spPr>
           <a:xfrm>
-            <a:off x="6599922" y="1443408"/>
+            <a:off x="6599922" y="692339"/>
             <a:ext cx="1224136" cy="363838"/>
           </a:xfrm>
           <a:prstGeom prst="roundRect">
@@ -5721,7 +5770,7 @@
             <a:pPr algn="ctr"/>
             <a:r>
               <a:rPr lang="en-US" altLang="ko-KR" sz="1100"/>
-              <a:t>EFS Storage</a:t>
+              <a:t>EFS Meta, Data</a:t>
             </a:r>
           </a:p>
         </p:txBody>
@@ -5740,7 +5789,7 @@
         </p:nvSpPr>
         <p:spPr>
           <a:xfrm>
-            <a:off x="5134741" y="1443408"/>
+            <a:off x="5134741" y="692339"/>
             <a:ext cx="650143" cy="363838"/>
           </a:xfrm>
           <a:prstGeom prst="roundRect">
@@ -5794,7 +5843,7 @@
         </p:nvCxnSpPr>
         <p:spPr>
           <a:xfrm rot="5400000" flipH="1" flipV="1">
-            <a:off x="4067427" y="51023"/>
+            <a:off x="4067427" y="-700046"/>
             <a:ext cx="12700" cy="2784771"/>
           </a:xfrm>
           <a:prstGeom prst="bentConnector3">
@@ -5843,7 +5892,7 @@
         </p:nvCxnSpPr>
         <p:spPr>
           <a:xfrm rot="5400000" flipH="1" flipV="1">
-            <a:off x="4793516" y="777112"/>
+            <a:off x="4793516" y="26043"/>
             <a:ext cx="12700" cy="1332593"/>
           </a:xfrm>
           <a:prstGeom prst="bentConnector3">
@@ -5892,7 +5941,7 @@
         </p:nvCxnSpPr>
         <p:spPr>
           <a:xfrm rot="5400000" flipH="1" flipV="1">
-            <a:off x="3735191" y="747097"/>
+            <a:off x="3735191" y="-3972"/>
             <a:ext cx="664472" cy="2784771"/>
           </a:xfrm>
           <a:prstGeom prst="bentConnector3">
@@ -5941,7 +5990,7 @@
         </p:nvCxnSpPr>
         <p:spPr>
           <a:xfrm rot="5400000" flipH="1" flipV="1">
-            <a:off x="4461280" y="1473186"/>
+            <a:off x="4461280" y="722117"/>
             <a:ext cx="664472" cy="1332593"/>
           </a:xfrm>
           <a:prstGeom prst="bentConnector3">
@@ -5990,7 +6039,7 @@
         </p:nvCxnSpPr>
         <p:spPr>
           <a:xfrm rot="5400000" flipH="1" flipV="1">
-            <a:off x="3223557" y="1258731"/>
+            <a:off x="3223557" y="507662"/>
             <a:ext cx="1687740" cy="2784771"/>
           </a:xfrm>
           <a:prstGeom prst="bentConnector3">
@@ -6039,7 +6088,7 @@
         </p:nvCxnSpPr>
         <p:spPr>
           <a:xfrm rot="5400000" flipH="1" flipV="1">
-            <a:off x="3949646" y="1984820"/>
+            <a:off x="3949646" y="1233751"/>
             <a:ext cx="1687740" cy="1332593"/>
           </a:xfrm>
           <a:prstGeom prst="bentConnector3">
@@ -6088,7 +6137,7 @@
         </p:nvCxnSpPr>
         <p:spPr>
           <a:xfrm>
-            <a:off x="5784884" y="1625327"/>
+            <a:off x="5784884" y="874258"/>
             <a:ext cx="815038" cy="0"/>
           </a:xfrm>
           <a:prstGeom prst="straightConnector1">
@@ -6131,7 +6180,7 @@
         </p:nvSpPr>
         <p:spPr>
           <a:xfrm>
-            <a:off x="4872052" y="1296367"/>
+            <a:off x="4872052" y="545298"/>
             <a:ext cx="1140108" cy="3084086"/>
           </a:xfrm>
           <a:prstGeom prst="roundRect">
@@ -6191,7 +6240,7 @@
         </p:nvSpPr>
         <p:spPr>
           <a:xfrm>
-            <a:off x="1988156" y="1296367"/>
+            <a:off x="1988156" y="545298"/>
             <a:ext cx="2811888" cy="3084086"/>
           </a:xfrm>
           <a:prstGeom prst="roundRect">
@@ -6239,37 +6288,67 @@
       </p:sp>
       <p:sp>
         <p:nvSpPr>
-          <p:cNvPr id="9" name="TextBox 8">
-            <a:extLst>
-              <a:ext uri="{FF2B5EF4-FFF2-40B4-BE49-F238E27FC236}">
-                <a16:creationId xmlns:a16="http://schemas.microsoft.com/office/drawing/2014/main" id="{924F1245-846A-D03D-3570-EB183A99D38C}"/>
-              </a:ext>
-            </a:extLst>
-          </p:cNvPr>
-          <p:cNvSpPr txBox="1"/>
-          <p:nvPr/>
-        </p:nvSpPr>
-        <p:spPr>
-          <a:xfrm>
-            <a:off x="6156176" y="4227934"/>
-            <a:ext cx="2061008" cy="400110"/>
-          </a:xfrm>
-          <a:prstGeom prst="rect">
-            <a:avLst/>
-          </a:prstGeom>
-          <a:noFill/>
-        </p:spPr>
-        <p:txBody>
-          <a:bodyPr wrap="square" rtlCol="0" anchor="ctr">
-            <a:spAutoFit/>
-          </a:bodyPr>
-          <a:lstStyle/>
-          <a:p>
-            <a:r>
-              <a:rPr lang="en-US" altLang="ko-KR" sz="1000" b="1"/>
-              <a:t>Mount Point -  xxx.efs.region.amazonaws.com</a:t>
-            </a:r>
-            <a:endParaRPr lang="ko-KR" altLang="en-US" sz="1000" b="1"/>
+          <p:cNvPr id="66" name="사각형: 둥근 모서리 148">
+            <a:extLst>
+              <a:ext uri="{FF2B5EF4-FFF2-40B4-BE49-F238E27FC236}">
+                <a16:creationId xmlns:a16="http://schemas.microsoft.com/office/drawing/2014/main" id="{42B7683A-7E2F-668A-97E9-2C09837B3EC6}"/>
+              </a:ext>
+            </a:extLst>
+          </p:cNvPr>
+          <p:cNvSpPr/>
+          <p:nvPr/>
+        </p:nvSpPr>
+        <p:spPr>
+          <a:xfrm>
+            <a:off x="6455906" y="3629384"/>
+            <a:ext cx="2170477" cy="626385"/>
+          </a:xfrm>
+          <a:prstGeom prst="roundRect">
+            <a:avLst>
+              <a:gd name="adj" fmla="val 15540"/>
+            </a:avLst>
+          </a:prstGeom>
+          <a:ln w="19050"/>
+        </p:spPr>
+        <p:style>
+          <a:lnRef idx="2">
+            <a:schemeClr val="dk1"/>
+          </a:lnRef>
+          <a:fillRef idx="1">
+            <a:schemeClr val="lt1"/>
+          </a:fillRef>
+          <a:effectRef idx="0">
+            <a:schemeClr val="dk1"/>
+          </a:effectRef>
+          <a:fontRef idx="minor">
+            <a:schemeClr val="dk1"/>
+          </a:fontRef>
+        </p:style>
+        <p:txBody>
+          <a:bodyPr rtlCol="0" anchor="ctr"/>
+          <a:lstStyle/>
+          <a:p>
+            <a:pPr algn="ctr"/>
+            <a:r>
+              <a:rPr lang="en-US" altLang="ko-KR" sz="1100" b="1"/>
+              <a:t>Route 53</a:t>
+            </a:r>
+          </a:p>
+          <a:p>
+            <a:pPr algn="ctr"/>
+            <a:r>
+              <a:rPr lang="en-US" altLang="ko-KR" sz="1100"/>
+              <a:t>xxx.efs.region.amazonaws.com </a:t>
+            </a:r>
+          </a:p>
+          <a:p>
+            <a:pPr algn="ctr"/>
+            <a:r>
+              <a:rPr lang="en-US" altLang="ko-KR" sz="1100">
+                <a:sym typeface="Wingdings" panose="05000000000000000000" pitchFamily="2" charset="2"/>
+              </a:rPr>
+              <a:t>All AZ  ENI A</a:t>
+            </a:r>
           </a:p>
         </p:txBody>
       </p:sp>
